--- a/Segundo semestre/Minería de datos/randomForest.pptx
+++ b/Segundo semestre/Minería de datos/randomForest.pptx
@@ -108,6 +108,11 @@
       </a:defRPr>
     </a:lvl9pPr>
   </p:defaultTextStyle>
+  <p:extLst>
+    <p:ext uri="{EFAFB233-063F-42B5-8137-9DF3F51BA10A}">
+      <p15:sldGuideLst xmlns:p15="http://schemas.microsoft.com/office/powerpoint/2012/main"/>
+    </p:ext>
+  </p:extLst>
 </p:presentation>
 </file>
 
@@ -280,7 +285,7 @@
           <a:p>
             <a:fld id="{48A87A34-81AB-432B-8DAE-1953F412C126}" type="datetimeFigureOut">
               <a:rPr lang="en-US" smtClean="0"/>
-              <a:t>10/16/24</a:t>
+              <a:t>10/22/2024</a:t>
             </a:fld>
             <a:endParaRPr lang="en-US" dirty="0"/>
           </a:p>
@@ -611,7 +616,7 @@
             <a:fld id="{48A87A34-81AB-432B-8DAE-1953F412C126}" type="datetimeFigureOut">
               <a:rPr lang="en-US" smtClean="0"/>
               <a:pPr/>
-              <a:t>10/16/24</a:t>
+              <a:t>10/22/2024</a:t>
             </a:fld>
             <a:endParaRPr lang="en-US" dirty="0"/>
           </a:p>
@@ -793,7 +798,7 @@
             <a:fld id="{48A87A34-81AB-432B-8DAE-1953F412C126}" type="datetimeFigureOut">
               <a:rPr lang="en-US" smtClean="0"/>
               <a:pPr/>
-              <a:t>10/16/24</a:t>
+              <a:t>10/22/2024</a:t>
             </a:fld>
             <a:endParaRPr lang="en-US" dirty="0"/>
           </a:p>
@@ -965,7 +970,7 @@
             <a:fld id="{48A87A34-81AB-432B-8DAE-1953F412C126}" type="datetimeFigureOut">
               <a:rPr lang="en-US" smtClean="0"/>
               <a:pPr/>
-              <a:t>10/16/24</a:t>
+              <a:t>10/22/2024</a:t>
             </a:fld>
             <a:endParaRPr lang="en-US" dirty="0"/>
           </a:p>
@@ -1244,7 +1249,7 @@
             <a:fld id="{48A87A34-81AB-432B-8DAE-1953F412C126}" type="datetimeFigureOut">
               <a:rPr lang="en-US" smtClean="0"/>
               <a:pPr/>
-              <a:t>10/16/24</a:t>
+              <a:t>10/22/2024</a:t>
             </a:fld>
             <a:endParaRPr lang="en-US" dirty="0"/>
           </a:p>
@@ -1639,7 +1644,7 @@
             <a:fld id="{48A87A34-81AB-432B-8DAE-1953F412C126}" type="datetimeFigureOut">
               <a:rPr lang="en-US" smtClean="0"/>
               <a:pPr/>
-              <a:t>10/16/24</a:t>
+              <a:t>10/22/2024</a:t>
             </a:fld>
             <a:endParaRPr lang="en-US" dirty="0"/>
           </a:p>
@@ -2118,7 +2123,7 @@
             <a:fld id="{48A87A34-81AB-432B-8DAE-1953F412C126}" type="datetimeFigureOut">
               <a:rPr lang="en-US" smtClean="0"/>
               <a:pPr/>
-              <a:t>10/16/24</a:t>
+              <a:t>10/22/2024</a:t>
             </a:fld>
             <a:endParaRPr lang="en-US" dirty="0"/>
           </a:p>
@@ -2237,7 +2242,7 @@
           <a:p>
             <a:fld id="{48A87A34-81AB-432B-8DAE-1953F412C126}" type="datetimeFigureOut">
               <a:rPr lang="en-US" smtClean="0"/>
-              <a:t>10/16/24</a:t>
+              <a:t>10/22/2024</a:t>
             </a:fld>
             <a:endParaRPr lang="en-US" dirty="0"/>
           </a:p>
@@ -2332,7 +2337,7 @@
           <a:p>
             <a:fld id="{48A87A34-81AB-432B-8DAE-1953F412C126}" type="datetimeFigureOut">
               <a:rPr lang="en-US" smtClean="0"/>
-              <a:t>10/16/24</a:t>
+              <a:t>10/22/2024</a:t>
             </a:fld>
             <a:endParaRPr lang="en-US" dirty="0"/>
           </a:p>
@@ -2679,7 +2684,7 @@
             <a:fld id="{48A87A34-81AB-432B-8DAE-1953F412C126}" type="datetimeFigureOut">
               <a:rPr lang="en-US" smtClean="0"/>
               <a:pPr/>
-              <a:t>10/16/24</a:t>
+              <a:t>10/22/2024</a:t>
             </a:fld>
             <a:endParaRPr lang="en-US" dirty="0"/>
           </a:p>
@@ -3068,7 +3073,7 @@
           <a:p>
             <a:fld id="{48A87A34-81AB-432B-8DAE-1953F412C126}" type="datetimeFigureOut">
               <a:rPr lang="en-US" smtClean="0"/>
-              <a:t>10/16/24</a:t>
+              <a:t>10/22/2024</a:t>
             </a:fld>
             <a:endParaRPr lang="en-US" dirty="0"/>
           </a:p>
@@ -3347,7 +3352,7 @@
             <a:fld id="{48A87A34-81AB-432B-8DAE-1953F412C126}" type="datetimeFigureOut">
               <a:rPr lang="en-US" smtClean="0"/>
               <a:pPr/>
-              <a:t>10/16/24</a:t>
+              <a:t>10/22/2024</a:t>
             </a:fld>
             <a:endParaRPr lang="en-US" dirty="0"/>
           </a:p>
@@ -4421,7 +4426,7 @@
         <p:spPr/>
         <p:txBody>
           <a:bodyPr>
-            <a:normAutofit fontScale="85000" lnSpcReduction="10000"/>
+            <a:normAutofit fontScale="92500" lnSpcReduction="20000"/>
           </a:bodyPr>
           <a:lstStyle/>
           <a:p>
@@ -4435,7 +4440,7 @@
             <a:pPr lvl="1" algn="just"/>
             <a:r>
               <a:rPr lang="es-MX" dirty="0"/>
-              <a:t>Bagging (Bootstrap Aggregating): Random Forest se basa en la técnica de bagging, donde se toman muestras aleatorias con reemplazo del conjunto de datos para entrenar cada árbol. Esto introduce variabilidad y evita que los árboles se vuelvan muy parecidos.</a:t>
+              <a:t>Muestras aleatorias con reemplazo del conjunto de datos para entrenar cada árbol. Esto introduce variabilidad y evita que los árboles se vuelvan muy parecidos.</a:t>
             </a:r>
           </a:p>
           <a:p>
